--- a/ccpa lab meeting 14_5_2020.pptx
+++ b/ccpa lab meeting 14_5_2020.pptx
@@ -15,8 +15,9 @@
     <p:sldId id="259" r:id="rId9"/>
     <p:sldId id="260" r:id="rId10"/>
     <p:sldId id="262" r:id="rId11"/>
-    <p:sldId id="268" r:id="rId12"/>
-    <p:sldId id="266" r:id="rId13"/>
+    <p:sldId id="269" r:id="rId12"/>
+    <p:sldId id="268" r:id="rId13"/>
+    <p:sldId id="266" r:id="rId14"/>
   </p:sldIdLst>
   <p:sldSz cx="12192000" cy="6858000"/>
   <p:notesSz cx="6858000" cy="9144000"/>
@@ -115,6 +116,11 @@
       </a:defRPr>
     </a:lvl9pPr>
   </p:defaultTextStyle>
+  <p:extLst>
+    <p:ext uri="{EFAFB233-063F-42B5-8137-9DF3F51BA10A}">
+      <p15:sldGuideLst xmlns:p15="http://schemas.microsoft.com/office/powerpoint/2012/main"/>
+    </p:ext>
+  </p:extLst>
 </p:presentation>
 </file>
 
@@ -267,7 +273,7 @@
           <a:p>
             <a:fld id="{D2A21EDF-A73E-44DA-B483-96D9E21256B7}" type="datetimeFigureOut">
               <a:rPr lang="LID4096" smtClean="0"/>
-              <a:t>05/14/2020</a:t>
+              <a:t>05/18/2020</a:t>
             </a:fld>
             <a:endParaRPr lang="LID4096"/>
           </a:p>
@@ -467,7 +473,7 @@
           <a:p>
             <a:fld id="{D2A21EDF-A73E-44DA-B483-96D9E21256B7}" type="datetimeFigureOut">
               <a:rPr lang="LID4096" smtClean="0"/>
-              <a:t>05/14/2020</a:t>
+              <a:t>05/18/2020</a:t>
             </a:fld>
             <a:endParaRPr lang="LID4096"/>
           </a:p>
@@ -677,7 +683,7 @@
           <a:p>
             <a:fld id="{D2A21EDF-A73E-44DA-B483-96D9E21256B7}" type="datetimeFigureOut">
               <a:rPr lang="LID4096" smtClean="0"/>
-              <a:t>05/14/2020</a:t>
+              <a:t>05/18/2020</a:t>
             </a:fld>
             <a:endParaRPr lang="LID4096"/>
           </a:p>
@@ -877,7 +883,7 @@
           <a:p>
             <a:fld id="{D2A21EDF-A73E-44DA-B483-96D9E21256B7}" type="datetimeFigureOut">
               <a:rPr lang="LID4096" smtClean="0"/>
-              <a:t>05/14/2020</a:t>
+              <a:t>05/18/2020</a:t>
             </a:fld>
             <a:endParaRPr lang="LID4096"/>
           </a:p>
@@ -1153,7 +1159,7 @@
           <a:p>
             <a:fld id="{D2A21EDF-A73E-44DA-B483-96D9E21256B7}" type="datetimeFigureOut">
               <a:rPr lang="LID4096" smtClean="0"/>
-              <a:t>05/14/2020</a:t>
+              <a:t>05/18/2020</a:t>
             </a:fld>
             <a:endParaRPr lang="LID4096"/>
           </a:p>
@@ -1421,7 +1427,7 @@
           <a:p>
             <a:fld id="{D2A21EDF-A73E-44DA-B483-96D9E21256B7}" type="datetimeFigureOut">
               <a:rPr lang="LID4096" smtClean="0"/>
-              <a:t>05/14/2020</a:t>
+              <a:t>05/18/2020</a:t>
             </a:fld>
             <a:endParaRPr lang="LID4096"/>
           </a:p>
@@ -1836,7 +1842,7 @@
           <a:p>
             <a:fld id="{D2A21EDF-A73E-44DA-B483-96D9E21256B7}" type="datetimeFigureOut">
               <a:rPr lang="LID4096" smtClean="0"/>
-              <a:t>05/14/2020</a:t>
+              <a:t>05/18/2020</a:t>
             </a:fld>
             <a:endParaRPr lang="LID4096"/>
           </a:p>
@@ -1978,7 +1984,7 @@
           <a:p>
             <a:fld id="{D2A21EDF-A73E-44DA-B483-96D9E21256B7}" type="datetimeFigureOut">
               <a:rPr lang="LID4096" smtClean="0"/>
-              <a:t>05/14/2020</a:t>
+              <a:t>05/18/2020</a:t>
             </a:fld>
             <a:endParaRPr lang="LID4096"/>
           </a:p>
@@ -2091,7 +2097,7 @@
           <a:p>
             <a:fld id="{D2A21EDF-A73E-44DA-B483-96D9E21256B7}" type="datetimeFigureOut">
               <a:rPr lang="LID4096" smtClean="0"/>
-              <a:t>05/14/2020</a:t>
+              <a:t>05/18/2020</a:t>
             </a:fld>
             <a:endParaRPr lang="LID4096"/>
           </a:p>
@@ -2404,7 +2410,7 @@
           <a:p>
             <a:fld id="{D2A21EDF-A73E-44DA-B483-96D9E21256B7}" type="datetimeFigureOut">
               <a:rPr lang="LID4096" smtClean="0"/>
-              <a:t>05/14/2020</a:t>
+              <a:t>05/18/2020</a:t>
             </a:fld>
             <a:endParaRPr lang="LID4096"/>
           </a:p>
@@ -2693,7 +2699,7 @@
           <a:p>
             <a:fld id="{D2A21EDF-A73E-44DA-B483-96D9E21256B7}" type="datetimeFigureOut">
               <a:rPr lang="LID4096" smtClean="0"/>
-              <a:t>05/14/2020</a:t>
+              <a:t>05/18/2020</a:t>
             </a:fld>
             <a:endParaRPr lang="LID4096"/>
           </a:p>
@@ -2936,7 +2942,7 @@
           <a:p>
             <a:fld id="{D2A21EDF-A73E-44DA-B483-96D9E21256B7}" type="datetimeFigureOut">
               <a:rPr lang="LID4096" smtClean="0"/>
-              <a:t>05/14/2020</a:t>
+              <a:t>05/18/2020</a:t>
             </a:fld>
             <a:endParaRPr lang="LID4096"/>
           </a:p>
@@ -3439,10 +3445,10 @@
       </p:grpSpPr>
       <p:pic>
         <p:nvPicPr>
-          <p:cNvPr id="2" name="Picture 12">
+          <p:cNvPr id="3" name="Picture 16">
             <a:extLst>
               <a:ext uri="{FF2B5EF4-FFF2-40B4-BE49-F238E27FC236}">
-                <a16:creationId xmlns:a16="http://schemas.microsoft.com/office/drawing/2014/main" id="{B06822D4-DE87-4B14-93E0-BA36C90F62C0}"/>
+                <a16:creationId xmlns:a16="http://schemas.microsoft.com/office/drawing/2014/main" id="{4971650D-1946-4A57-8E57-62D1C604C560}"/>
               </a:ext>
             </a:extLst>
           </p:cNvPr>
@@ -3453,53 +3459,6 @@
         </p:nvPicPr>
         <p:blipFill>
           <a:blip r:embed="rId2">
-            <a:extLst>
-              <a:ext uri="{28A0092B-C50C-407E-A947-70E740481C1C}">
-                <a14:useLocalDpi xmlns:a14="http://schemas.microsoft.com/office/drawing/2010/main" val="0"/>
-              </a:ext>
-            </a:extLst>
-          </a:blip>
-          <a:srcRect/>
-          <a:stretch>
-            <a:fillRect/>
-          </a:stretch>
-        </p:blipFill>
-        <p:spPr bwMode="auto">
-          <a:xfrm>
-            <a:off x="552498" y="1879684"/>
-            <a:ext cx="4889536" cy="3098632"/>
-          </a:xfrm>
-          <a:prstGeom prst="rect">
-            <a:avLst/>
-          </a:prstGeom>
-          <a:noFill/>
-          <a:extLst>
-            <a:ext uri="{909E8E84-426E-40DD-AFC4-6F175D3DCCD1}">
-              <a14:hiddenFill xmlns:a14="http://schemas.microsoft.com/office/drawing/2010/main">
-                <a:solidFill>
-                  <a:srgbClr val="FFFFFF"/>
-                </a:solidFill>
-              </a14:hiddenFill>
-            </a:ext>
-          </a:extLst>
-        </p:spPr>
-      </p:pic>
-      <p:pic>
-        <p:nvPicPr>
-          <p:cNvPr id="3" name="Picture 16">
-            <a:extLst>
-              <a:ext uri="{FF2B5EF4-FFF2-40B4-BE49-F238E27FC236}">
-                <a16:creationId xmlns:a16="http://schemas.microsoft.com/office/drawing/2014/main" id="{4971650D-1946-4A57-8E57-62D1C604C560}"/>
-              </a:ext>
-            </a:extLst>
-          </p:cNvPr>
-          <p:cNvPicPr>
-            <a:picLocks noChangeAspect="1" noChangeArrowheads="1"/>
-          </p:cNvPicPr>
-          <p:nvPr/>
-        </p:nvPicPr>
-        <p:blipFill>
-          <a:blip r:embed="rId3">
             <a:extLst>
               <a:ext uri="{28A0092B-C50C-407E-A947-70E740481C1C}">
                 <a14:useLocalDpi xmlns:a14="http://schemas.microsoft.com/office/drawing/2010/main" val="0"/>
@@ -3632,6 +3591,53 @@
           </a:p>
         </p:txBody>
       </p:sp>
+      <p:pic>
+        <p:nvPicPr>
+          <p:cNvPr id="1028" name="Picture 4">
+            <a:extLst>
+              <a:ext uri="{FF2B5EF4-FFF2-40B4-BE49-F238E27FC236}">
+                <a16:creationId xmlns:a16="http://schemas.microsoft.com/office/drawing/2014/main" id="{D7E14FB1-F734-4424-A415-D632AEF24A26}"/>
+              </a:ext>
+            </a:extLst>
+          </p:cNvPr>
+          <p:cNvPicPr>
+            <a:picLocks noChangeAspect="1" noChangeArrowheads="1"/>
+          </p:cNvPicPr>
+          <p:nvPr/>
+        </p:nvPicPr>
+        <p:blipFill>
+          <a:blip r:embed="rId3">
+            <a:extLst>
+              <a:ext uri="{28A0092B-C50C-407E-A947-70E740481C1C}">
+                <a14:useLocalDpi xmlns:a14="http://schemas.microsoft.com/office/drawing/2010/main" val="0"/>
+              </a:ext>
+            </a:extLst>
+          </a:blip>
+          <a:srcRect/>
+          <a:stretch>
+            <a:fillRect/>
+          </a:stretch>
+        </p:blipFill>
+        <p:spPr bwMode="auto">
+          <a:xfrm>
+            <a:off x="1357313" y="1848172"/>
+            <a:ext cx="3762375" cy="3028950"/>
+          </a:xfrm>
+          <a:prstGeom prst="rect">
+            <a:avLst/>
+          </a:prstGeom>
+          <a:noFill/>
+          <a:extLst>
+            <a:ext uri="{909E8E84-426E-40DD-AFC4-6F175D3DCCD1}">
+              <a14:hiddenFill xmlns:a14="http://schemas.microsoft.com/office/drawing/2010/main">
+                <a:solidFill>
+                  <a:srgbClr val="FFFFFF"/>
+                </a:solidFill>
+              </a14:hiddenFill>
+            </a:ext>
+          </a:extLst>
+        </p:spPr>
+      </p:pic>
     </p:spTree>
     <p:extLst>
       <p:ext uri="{BB962C8B-B14F-4D97-AF65-F5344CB8AC3E}">
@@ -3664,6 +3670,130 @@
       </p:grpSpPr>
       <p:pic>
         <p:nvPicPr>
+          <p:cNvPr id="2054" name="Picture 6">
+            <a:extLst>
+              <a:ext uri="{FF2B5EF4-FFF2-40B4-BE49-F238E27FC236}">
+                <a16:creationId xmlns:a16="http://schemas.microsoft.com/office/drawing/2014/main" id="{129AC622-D0B2-49EB-9872-59D9922E3AEE}"/>
+              </a:ext>
+            </a:extLst>
+          </p:cNvPr>
+          <p:cNvPicPr>
+            <a:picLocks noChangeAspect="1" noChangeArrowheads="1"/>
+          </p:cNvPicPr>
+          <p:nvPr/>
+        </p:nvPicPr>
+        <p:blipFill>
+          <a:blip r:embed="rId2">
+            <a:extLst>
+              <a:ext uri="{28A0092B-C50C-407E-A947-70E740481C1C}">
+                <a14:useLocalDpi xmlns:a14="http://schemas.microsoft.com/office/drawing/2010/main" val="0"/>
+              </a:ext>
+            </a:extLst>
+          </a:blip>
+          <a:srcRect/>
+          <a:stretch>
+            <a:fillRect/>
+          </a:stretch>
+        </p:blipFill>
+        <p:spPr bwMode="auto">
+          <a:xfrm>
+            <a:off x="423863" y="3429000"/>
+            <a:ext cx="6200775" cy="3190875"/>
+          </a:xfrm>
+          <a:prstGeom prst="rect">
+            <a:avLst/>
+          </a:prstGeom>
+          <a:noFill/>
+          <a:extLst>
+            <a:ext uri="{909E8E84-426E-40DD-AFC4-6F175D3DCCD1}">
+              <a14:hiddenFill xmlns:a14="http://schemas.microsoft.com/office/drawing/2010/main">
+                <a:solidFill>
+                  <a:srgbClr val="FFFFFF"/>
+                </a:solidFill>
+              </a14:hiddenFill>
+            </a:ext>
+          </a:extLst>
+        </p:spPr>
+      </p:pic>
+      <p:pic>
+        <p:nvPicPr>
+          <p:cNvPr id="2056" name="Picture 8">
+            <a:extLst>
+              <a:ext uri="{FF2B5EF4-FFF2-40B4-BE49-F238E27FC236}">
+                <a16:creationId xmlns:a16="http://schemas.microsoft.com/office/drawing/2014/main" id="{D2E30C66-D089-416C-8B12-32C3BAF46852}"/>
+              </a:ext>
+            </a:extLst>
+          </p:cNvPr>
+          <p:cNvPicPr>
+            <a:picLocks noChangeAspect="1" noChangeArrowheads="1"/>
+          </p:cNvPicPr>
+          <p:nvPr/>
+        </p:nvPicPr>
+        <p:blipFill>
+          <a:blip r:embed="rId3">
+            <a:extLst>
+              <a:ext uri="{28A0092B-C50C-407E-A947-70E740481C1C}">
+                <a14:useLocalDpi xmlns:a14="http://schemas.microsoft.com/office/drawing/2010/main" val="0"/>
+              </a:ext>
+            </a:extLst>
+          </a:blip>
+          <a:srcRect/>
+          <a:stretch>
+            <a:fillRect/>
+          </a:stretch>
+        </p:blipFill>
+        <p:spPr bwMode="auto">
+          <a:xfrm>
+            <a:off x="5500687" y="376238"/>
+            <a:ext cx="6267450" cy="3190875"/>
+          </a:xfrm>
+          <a:prstGeom prst="rect">
+            <a:avLst/>
+          </a:prstGeom>
+          <a:noFill/>
+          <a:extLst>
+            <a:ext uri="{909E8E84-426E-40DD-AFC4-6F175D3DCCD1}">
+              <a14:hiddenFill xmlns:a14="http://schemas.microsoft.com/office/drawing/2010/main">
+                <a:solidFill>
+                  <a:srgbClr val="FFFFFF"/>
+                </a:solidFill>
+              </a14:hiddenFill>
+            </a:ext>
+          </a:extLst>
+        </p:spPr>
+      </p:pic>
+    </p:spTree>
+    <p:extLst>
+      <p:ext uri="{BB962C8B-B14F-4D97-AF65-F5344CB8AC3E}">
+        <p14:creationId xmlns:p14="http://schemas.microsoft.com/office/powerpoint/2010/main" val="3297759138"/>
+      </p:ext>
+    </p:extLst>
+  </p:cSld>
+  <p:clrMapOvr>
+    <a:masterClrMapping/>
+  </p:clrMapOvr>
+</p:sld>
+</file>
+
+<file path=ppt/slides/slide12.xml><?xml version="1.0" encoding="utf-8"?>
+<p:sld xmlns:a="http://schemas.openxmlformats.org/drawingml/2006/main" xmlns:r="http://schemas.openxmlformats.org/officeDocument/2006/relationships" xmlns:p="http://schemas.openxmlformats.org/presentationml/2006/main">
+  <p:cSld>
+    <p:spTree>
+      <p:nvGrpSpPr>
+        <p:cNvPr id="1" name=""/>
+        <p:cNvGrpSpPr/>
+        <p:nvPr/>
+      </p:nvGrpSpPr>
+      <p:grpSpPr>
+        <a:xfrm>
+          <a:off x="0" y="0"/>
+          <a:ext cx="0" cy="0"/>
+          <a:chOff x="0" y="0"/>
+          <a:chExt cx="0" cy="0"/>
+        </a:xfrm>
+      </p:grpSpPr>
+      <p:pic>
+        <p:nvPicPr>
           <p:cNvPr id="7" name="Picture 6">
             <a:extLst>
               <a:ext uri="{FF2B5EF4-FFF2-40B4-BE49-F238E27FC236}">
@@ -3877,7 +4007,7 @@
 </p:sld>
 </file>
 
-<file path=ppt/slides/slide12.xml><?xml version="1.0" encoding="utf-8"?>
+<file path=ppt/slides/slide13.xml><?xml version="1.0" encoding="utf-8"?>
 <p:sld xmlns:a="http://schemas.openxmlformats.org/drawingml/2006/main" xmlns:r="http://schemas.openxmlformats.org/officeDocument/2006/relationships" xmlns:p="http://schemas.openxmlformats.org/presentationml/2006/main">
   <p:cSld>
     <p:spTree>
